--- a/poster.PPTX
+++ b/poster.PPTX
@@ -3792,7 +3792,7 @@
         <p:spPr>
           <a:xfrm>
             <a:off x="9308565" y="13743992"/>
-            <a:ext cx="8979435" cy="16888408"/>
+            <a:ext cx="8979435" cy="16589869"/>
           </a:xfrm>
           <a:prstGeom prst="rect">
             <a:avLst/>
@@ -4914,8 +4914,8 @@
         </p:nvSpPr>
         <p:spPr>
           <a:xfrm>
-            <a:off x="9308566" y="31913011"/>
-            <a:ext cx="8979434" cy="4208254"/>
+            <a:off x="9308566" y="30556199"/>
+            <a:ext cx="8979434" cy="5565065"/>
           </a:xfrm>
           <a:prstGeom prst="rect">
             <a:avLst/>
@@ -4956,7 +4956,7 @@
         </p:nvSpPr>
         <p:spPr>
           <a:xfrm>
-            <a:off x="9308565" y="31851600"/>
+            <a:off x="9308565" y="30556200"/>
             <a:ext cx="8979435" cy="525031"/>
           </a:xfrm>
           <a:prstGeom prst="rect">
@@ -5505,8 +5505,8 @@
         </p:nvSpPr>
         <p:spPr>
           <a:xfrm>
-            <a:off x="9421453" y="15035093"/>
-            <a:ext cx="8714147" cy="15388828"/>
+            <a:off x="9421453" y="14782800"/>
+            <a:ext cx="8714147" cy="15696605"/>
           </a:xfrm>
           <a:prstGeom prst="rect">
             <a:avLst/>
@@ -5519,7 +5519,7 @@
           <a:lstStyle/>
           <a:p>
             <a:r>
-              <a:rPr lang="en-US" altLang="zh-CN" sz="4000" b="1" dirty="0">
+              <a:rPr lang="en-US" altLang="zh-CN" sz="3600" b="1" dirty="0">
                 <a:solidFill>
                   <a:schemeClr val="accent1">
                     <a:lumMod val="20000"/>
@@ -5578,7 +5578,7 @@
                   </a:schemeClr>
                 </a:solidFill>
               </a:rPr>
-              <a:t>Display higher and redder bars for more tweets in one position. </a:t>
+              <a:t>Display higher and redder bars for more tweets in one position</a:t>
             </a:r>
           </a:p>
           <a:p>
@@ -5699,18 +5699,8 @@
             </a:endParaRPr>
           </a:p>
           <a:p>
-            <a:endParaRPr lang="en-US" altLang="zh-CN" sz="4000" b="1" dirty="0">
-              <a:solidFill>
-                <a:schemeClr val="accent1">
-                  <a:lumMod val="20000"/>
-                  <a:lumOff val="80000"/>
-                </a:schemeClr>
-              </a:solidFill>
-            </a:endParaRPr>
-          </a:p>
-          <a:p>
-            <a:r>
-              <a:rPr lang="en-US" altLang="zh-CN" sz="4000" b="1" dirty="0">
+            <a:r>
+              <a:rPr lang="en-US" altLang="zh-CN" sz="3600" b="1" dirty="0">
                 <a:solidFill>
                   <a:schemeClr val="accent1">
                     <a:lumMod val="20000"/>
@@ -5752,7 +5742,24 @@
                   </a:schemeClr>
                 </a:solidFill>
               </a:rPr>
-              <a:t>World globe with proper longitude and latitude data giving the clearest result.</a:t>
+              <a:t>Display two bar charts for the most common tweet countries and languages</a:t>
+            </a:r>
+          </a:p>
+          <a:p>
+            <a:pPr marL="457200" indent="-457200">
+              <a:buFont typeface="Arial" panose="020B0604020202020204" pitchFamily="34" charset="0"/>
+              <a:buChar char="•"/>
+            </a:pPr>
+            <a:r>
+              <a:rPr lang="en-US" altLang="zh-CN" sz="3200" dirty="0">
+                <a:solidFill>
+                  <a:schemeClr val="accent1">
+                    <a:lumMod val="20000"/>
+                    <a:lumOff val="80000"/>
+                  </a:schemeClr>
+                </a:solidFill>
+              </a:rPr>
+              <a:t>World globe with proper longitude and latitude data giving the clearest result</a:t>
             </a:r>
           </a:p>
         </p:txBody>
@@ -7003,7 +7010,7 @@
         </p:blipFill>
         <p:spPr>
           <a:xfrm>
-            <a:off x="9513704" y="20614251"/>
+            <a:off x="9513704" y="20269200"/>
             <a:ext cx="8529644" cy="5935371"/>
           </a:xfrm>
           <a:prstGeom prst="rect">
@@ -7011,6 +7018,68 @@
           </a:prstGeom>
         </p:spPr>
       </p:pic>
+      <p:sp>
+        <p:nvSpPr>
+          <p:cNvPr id="36" name="矩形 104">
+            <a:extLst>
+              <a:ext uri="{FF2B5EF4-FFF2-40B4-BE49-F238E27FC236}">
+                <a16:creationId xmlns:a16="http://schemas.microsoft.com/office/drawing/2014/main" id="{F677E47A-3F07-954F-B2D6-81598154AD2B}"/>
+              </a:ext>
+            </a:extLst>
+          </p:cNvPr>
+          <p:cNvSpPr/>
+          <p:nvPr/>
+        </p:nvSpPr>
+        <p:spPr>
+          <a:xfrm>
+            <a:off x="9351704" y="31055370"/>
+            <a:ext cx="8893156" cy="3539430"/>
+          </a:xfrm>
+          <a:prstGeom prst="rect">
+            <a:avLst/>
+          </a:prstGeom>
+        </p:spPr>
+        <p:txBody>
+          <a:bodyPr wrap="square">
+            <a:spAutoFit/>
+          </a:bodyPr>
+          <a:lstStyle/>
+          <a:p>
+            <a:pPr marL="457200" indent="-457200">
+              <a:buFont typeface="Arial" panose="020B0604020202020204" pitchFamily="34" charset="0"/>
+              <a:buChar char="•"/>
+            </a:pPr>
+            <a:r>
+              <a:rPr lang="en-US" altLang="zh-CN" sz="3200" dirty="0">
+                <a:solidFill>
+                  <a:schemeClr val="accent1">
+                    <a:lumMod val="20000"/>
+                    <a:lumOff val="80000"/>
+                  </a:schemeClr>
+                </a:solidFill>
+              </a:rPr>
+              <a:t>The 3-D global COVID-19 visualizer provides accurate and necessary information for all users. Interactive functions display the evolution of the pandemic. </a:t>
+            </a:r>
+          </a:p>
+          <a:p>
+            <a:pPr marL="457200" indent="-457200">
+              <a:buFont typeface="Arial" panose="020B0604020202020204" pitchFamily="34" charset="0"/>
+              <a:buChar char="•"/>
+            </a:pPr>
+            <a:r>
+              <a:rPr lang="en-US" altLang="zh-CN" sz="3200" dirty="0">
+                <a:solidFill>
+                  <a:schemeClr val="accent1">
+                    <a:lumMod val="20000"/>
+                    <a:lumOff val="80000"/>
+                  </a:schemeClr>
+                </a:solidFill>
+              </a:rPr>
+              <a:t>The number of COVID-19 tweets from one location has a positive relation with its number of COVID-19 cases.</a:t>
+            </a:r>
+          </a:p>
+        </p:txBody>
+      </p:sp>
     </p:spTree>
     <p:extLst>
       <p:ext uri="{BB962C8B-B14F-4D97-AF65-F5344CB8AC3E}">
